--- a/LCC/Java/11_集合與泛型.pptx
+++ b/LCC/Java/11_集合與泛型.pptx
@@ -876,7 +876,7 @@
             <a:fld id="{B61BEF0D-F0BB-DE4B-95CE-6DB70DBA9567}" type="datetimeFigureOut">
               <a:rPr lang="en-US" dirty="0"/>
               <a:pPr/>
-              <a:t>11/11/2021</a:t>
+              <a:t>11/13/2021</a:t>
             </a:fld>
             <a:endParaRPr lang="en-US" dirty="0"/>
           </a:p>
@@ -1124,7 +1124,7 @@
             <a:fld id="{B61BEF0D-F0BB-DE4B-95CE-6DB70DBA9567}" type="datetimeFigureOut">
               <a:rPr lang="en-US" dirty="0"/>
               <a:pPr/>
-              <a:t>11/11/2021</a:t>
+              <a:t>11/13/2021</a:t>
             </a:fld>
             <a:endParaRPr lang="en-US" dirty="0"/>
           </a:p>
@@ -1435,7 +1435,7 @@
             <a:fld id="{B61BEF0D-F0BB-DE4B-95CE-6DB70DBA9567}" type="datetimeFigureOut">
               <a:rPr lang="en-US" dirty="0"/>
               <a:pPr/>
-              <a:t>11/11/2021</a:t>
+              <a:t>11/13/2021</a:t>
             </a:fld>
             <a:endParaRPr lang="en-US" dirty="0"/>
           </a:p>
@@ -1773,7 +1773,7 @@
             <a:fld id="{B61BEF0D-F0BB-DE4B-95CE-6DB70DBA9567}" type="datetimeFigureOut">
               <a:rPr lang="en-US" dirty="0"/>
               <a:pPr/>
-              <a:t>11/11/2021</a:t>
+              <a:t>11/13/2021</a:t>
             </a:fld>
             <a:endParaRPr lang="en-US" dirty="0"/>
           </a:p>
@@ -2084,7 +2084,7 @@
             <a:fld id="{B61BEF0D-F0BB-DE4B-95CE-6DB70DBA9567}" type="datetimeFigureOut">
               <a:rPr lang="en-US" dirty="0"/>
               <a:pPr/>
-              <a:t>11/11/2021</a:t>
+              <a:t>11/13/2021</a:t>
             </a:fld>
             <a:endParaRPr lang="en-US" dirty="0"/>
           </a:p>
@@ -2474,7 +2474,7 @@
             <a:fld id="{B61BEF0D-F0BB-DE4B-95CE-6DB70DBA9567}" type="datetimeFigureOut">
               <a:rPr lang="en-US" dirty="0"/>
               <a:pPr/>
-              <a:t>11/11/2021</a:t>
+              <a:t>11/13/2021</a:t>
             </a:fld>
             <a:endParaRPr lang="en-US" dirty="0"/>
           </a:p>
@@ -2640,7 +2640,7 @@
           <a:p>
             <a:fld id="{55C6B4A9-1611-4792-9094-5F34BCA07E0B}" type="datetimeFigureOut">
               <a:rPr lang="en-US" dirty="0"/>
-              <a:t>11/11/2021</a:t>
+              <a:t>11/13/2021</a:t>
             </a:fld>
             <a:endParaRPr lang="en-US" dirty="0"/>
           </a:p>
@@ -2816,7 +2816,7 @@
             <a:fld id="{B61BEF0D-F0BB-DE4B-95CE-6DB70DBA9567}" type="datetimeFigureOut">
               <a:rPr lang="en-US" dirty="0"/>
               <a:pPr/>
-              <a:t>11/11/2021</a:t>
+              <a:t>11/13/2021</a:t>
             </a:fld>
             <a:endParaRPr lang="en-US" dirty="0"/>
           </a:p>
@@ -3013,7 +3013,7 @@
             <a:fld id="{B61BEF0D-F0BB-DE4B-95CE-6DB70DBA9567}" type="datetimeFigureOut">
               <a:rPr lang="en-US" dirty="0"/>
               <a:pPr/>
-              <a:t>11/11/2021</a:t>
+              <a:t>11/13/2021</a:t>
             </a:fld>
             <a:endParaRPr lang="en-US" dirty="0"/>
           </a:p>
@@ -3257,7 +3257,7 @@
             <a:fld id="{B61BEF0D-F0BB-DE4B-95CE-6DB70DBA9567}" type="datetimeFigureOut">
               <a:rPr lang="en-US" dirty="0"/>
               <a:pPr/>
-              <a:t>11/11/2021</a:t>
+              <a:t>11/13/2021</a:t>
             </a:fld>
             <a:endParaRPr lang="en-US" dirty="0"/>
           </a:p>
@@ -3485,7 +3485,7 @@
           <a:p>
             <a:fld id="{EB712588-04B1-427B-82EE-E8DB90309F08}" type="datetimeFigureOut">
               <a:rPr lang="en-US" dirty="0"/>
-              <a:t>11/11/2021</a:t>
+              <a:t>11/13/2021</a:t>
             </a:fld>
             <a:endParaRPr lang="en-US" dirty="0"/>
           </a:p>
@@ -3855,7 +3855,7 @@
             <a:fld id="{B61BEF0D-F0BB-DE4B-95CE-6DB70DBA9567}" type="datetimeFigureOut">
               <a:rPr lang="en-US" dirty="0"/>
               <a:pPr/>
-              <a:t>11/11/2021</a:t>
+              <a:t>11/13/2021</a:t>
             </a:fld>
             <a:endParaRPr lang="en-US" dirty="0"/>
           </a:p>
@@ -3975,7 +3975,7 @@
             <a:fld id="{B61BEF0D-F0BB-DE4B-95CE-6DB70DBA9567}" type="datetimeFigureOut">
               <a:rPr lang="en-US" dirty="0"/>
               <a:pPr/>
-              <a:t>11/11/2021</a:t>
+              <a:t>11/13/2021</a:t>
             </a:fld>
             <a:endParaRPr lang="en-US" dirty="0"/>
           </a:p>
@@ -4067,7 +4067,7 @@
             <a:fld id="{B61BEF0D-F0BB-DE4B-95CE-6DB70DBA9567}" type="datetimeFigureOut">
               <a:rPr lang="en-US" dirty="0"/>
               <a:pPr/>
-              <a:t>11/11/2021</a:t>
+              <a:t>11/13/2021</a:t>
             </a:fld>
             <a:endParaRPr lang="en-US" dirty="0"/>
           </a:p>
@@ -4318,7 +4318,7 @@
           <a:p>
             <a:fld id="{42A54C80-263E-416B-A8E0-580EDEADCBDC}" type="datetimeFigureOut">
               <a:rPr lang="en-US" dirty="0"/>
-              <a:t>11/11/2021</a:t>
+              <a:t>11/13/2021</a:t>
             </a:fld>
             <a:endParaRPr lang="en-US" dirty="0"/>
           </a:p>
@@ -4577,7 +4577,7 @@
             <a:fld id="{B61BEF0D-F0BB-DE4B-95CE-6DB70DBA9567}" type="datetimeFigureOut">
               <a:rPr lang="en-US" dirty="0"/>
               <a:pPr/>
-              <a:t>11/11/2021</a:t>
+              <a:t>11/13/2021</a:t>
             </a:fld>
             <a:endParaRPr lang="en-US" dirty="0"/>
           </a:p>
@@ -5317,7 +5317,7 @@
             <a:fld id="{B61BEF0D-F0BB-DE4B-95CE-6DB70DBA9567}" type="datetimeFigureOut">
               <a:rPr lang="en-US" dirty="0"/>
               <a:pPr/>
-              <a:t>11/11/2021</a:t>
+              <a:t>11/13/2021</a:t>
             </a:fld>
             <a:endParaRPr lang="en-US" dirty="0"/>
           </a:p>
@@ -6046,7 +6046,7 @@
             <a:fld id="{4805910D-2C61-424F-80CE-807290CF0E1E}" type="datetime4">
               <a:rPr lang="zh-TW" altLang="zh-TW"/>
               <a:pPr/>
-              <a:t>110年11月11日星期四</a:t>
+              <a:t>110年11月13日星期六</a:t>
             </a:fld>
             <a:endParaRPr lang="zh-TW" altLang="en-US" dirty="0"/>
           </a:p>
@@ -6298,13 +6298,7 @@
               <a:rPr lang="zh-TW" altLang="en-US" dirty="0" smtClean="0">
                 <a:sym typeface="Wingdings" panose="05000000000000000000" pitchFamily="2" charset="2"/>
               </a:rPr>
-              <a:t> 很明顯是個指標，指向物件</a:t>
-            </a:r>
-            <a:r>
-              <a:rPr lang="zh-TW" altLang="en-US" dirty="0" smtClean="0">
-                <a:sym typeface="Wingdings" panose="05000000000000000000" pitchFamily="2" charset="2"/>
-              </a:rPr>
-              <a:t>。</a:t>
+              <a:t> 很明顯是個指標，指向物件。</a:t>
             </a:r>
             <a:endParaRPr lang="en-US" altLang="zh-TW" dirty="0" smtClean="0">
               <a:sym typeface="Wingdings" panose="05000000000000000000" pitchFamily="2" charset="2"/>
@@ -8918,6 +8912,13 @@
   <p:clrMapOvr>
     <a:masterClrMapping/>
   </p:clrMapOvr>
+  <p:timing>
+    <p:tnLst>
+      <p:par>
+        <p:cTn id="1" dur="indefinite" restart="never" nodeType="tmRoot"/>
+      </p:par>
+    </p:tnLst>
+  </p:timing>
 </p:sld>
 </file>
 
@@ -12224,6 +12225,13 @@
   <p:clrMapOvr>
     <a:masterClrMapping/>
   </p:clrMapOvr>
+  <p:timing>
+    <p:tnLst>
+      <p:par>
+        <p:cTn id="1" dur="indefinite" restart="never" nodeType="tmRoot"/>
+      </p:par>
+    </p:tnLst>
+  </p:timing>
 </p:sld>
 </file>
 
@@ -12456,6 +12464,13 @@
   <p:clrMapOvr>
     <a:masterClrMapping/>
   </p:clrMapOvr>
+  <p:timing>
+    <p:tnLst>
+      <p:par>
+        <p:cTn id="1" dur="indefinite" restart="never" nodeType="tmRoot"/>
+      </p:par>
+    </p:tnLst>
+  </p:timing>
 </p:sld>
 </file>
 
@@ -12718,7 +12733,7 @@
               <a:t> </a:t>
             </a:r>
             <a:r>
-              <a:rPr lang="en-US" altLang="zh-TW" u="sng" dirty="0" err="1">
+              <a:rPr lang="en-US" altLang="zh-TW" dirty="0" err="1">
                 <a:solidFill>
                   <a:srgbClr val="F2F200"/>
                 </a:solidFill>
@@ -12727,7 +12742,7 @@
               <a:t>sc</a:t>
             </a:r>
             <a:r>
-              <a:rPr lang="en-US" altLang="zh-TW" u="sng" dirty="0">
+              <a:rPr lang="en-US" altLang="zh-TW" dirty="0">
                 <a:solidFill>
                   <a:srgbClr val="D9E8F7"/>
                 </a:solidFill>
@@ -12736,7 +12751,7 @@
               <a:t> </a:t>
             </a:r>
             <a:r>
-              <a:rPr lang="en-US" altLang="zh-TW" u="sng" dirty="0">
+              <a:rPr lang="en-US" altLang="zh-TW" dirty="0">
                 <a:solidFill>
                   <a:srgbClr val="E6E6FA"/>
                 </a:solidFill>
@@ -12745,7 +12760,7 @@
               <a:t>=</a:t>
             </a:r>
             <a:r>
-              <a:rPr lang="en-US" altLang="zh-TW" u="sng" dirty="0">
+              <a:rPr lang="en-US" altLang="zh-TW" dirty="0">
                 <a:solidFill>
                   <a:srgbClr val="D9E8F7"/>
                 </a:solidFill>
@@ -12754,7 +12769,7 @@
               <a:t> </a:t>
             </a:r>
             <a:r>
-              <a:rPr lang="en-US" altLang="zh-TW" u="sng" dirty="0">
+              <a:rPr lang="en-US" altLang="zh-TW" dirty="0">
                 <a:solidFill>
                   <a:srgbClr val="CC6C1D"/>
                 </a:solidFill>
@@ -12763,7 +12778,7 @@
               <a:t>new</a:t>
             </a:r>
             <a:r>
-              <a:rPr lang="en-US" altLang="zh-TW" u="sng" dirty="0">
+              <a:rPr lang="en-US" altLang="zh-TW" dirty="0">
                 <a:solidFill>
                   <a:srgbClr val="D9E8F7"/>
                 </a:solidFill>
@@ -12772,7 +12787,7 @@
               <a:t> </a:t>
             </a:r>
             <a:r>
-              <a:rPr lang="en-US" altLang="zh-TW" u="sng" dirty="0">
+              <a:rPr lang="en-US" altLang="zh-TW" dirty="0">
                 <a:solidFill>
                   <a:srgbClr val="A7EC21"/>
                 </a:solidFill>
@@ -12781,7 +12796,7 @@
               <a:t>Scanner</a:t>
             </a:r>
             <a:r>
-              <a:rPr lang="en-US" altLang="zh-TW" u="sng" dirty="0">
+              <a:rPr lang="en-US" altLang="zh-TW" dirty="0">
                 <a:solidFill>
                   <a:srgbClr val="F9FAF4"/>
                 </a:solidFill>
@@ -12790,7 +12805,7 @@
               <a:t>(</a:t>
             </a:r>
             <a:r>
-              <a:rPr lang="en-US" altLang="zh-TW" u="sng" dirty="0">
+              <a:rPr lang="en-US" altLang="zh-TW" dirty="0">
                 <a:solidFill>
                   <a:srgbClr val="1290C3"/>
                 </a:solidFill>
@@ -12799,7 +12814,7 @@
               <a:t>System</a:t>
             </a:r>
             <a:r>
-              <a:rPr lang="en-US" altLang="zh-TW" u="sng" dirty="0">
+              <a:rPr lang="en-US" altLang="zh-TW" dirty="0">
                 <a:solidFill>
                   <a:srgbClr val="E6E6FA"/>
                 </a:solidFill>
@@ -12808,7 +12823,7 @@
               <a:t>.</a:t>
             </a:r>
             <a:r>
-              <a:rPr lang="en-US" altLang="zh-TW" b="1" i="1" u="sng" dirty="0">
+              <a:rPr lang="en-US" altLang="zh-TW" b="1" i="1" dirty="0">
                 <a:solidFill>
                   <a:srgbClr val="8DDAF8"/>
                 </a:solidFill>
@@ -12817,7 +12832,7 @@
               <a:t>in</a:t>
             </a:r>
             <a:r>
-              <a:rPr lang="en-US" altLang="zh-TW" b="1" i="1" u="sng" dirty="0">
+              <a:rPr lang="en-US" altLang="zh-TW" b="1" i="1" dirty="0">
                 <a:solidFill>
                   <a:srgbClr val="F9FAF4"/>
                 </a:solidFill>
@@ -12826,7 +12841,7 @@
               <a:t>)</a:t>
             </a:r>
             <a:r>
-              <a:rPr lang="en-US" altLang="zh-TW" b="1" i="1" u="sng" dirty="0">
+              <a:rPr lang="en-US" altLang="zh-TW" b="1" i="1" dirty="0">
                 <a:solidFill>
                   <a:srgbClr val="E6E6FA"/>
                 </a:solidFill>
@@ -13898,6 +13913,13 @@
   <p:clrMapOvr>
     <a:masterClrMapping/>
   </p:clrMapOvr>
+  <p:timing>
+    <p:tnLst>
+      <p:par>
+        <p:cTn id="1" dur="indefinite" restart="never" nodeType="tmRoot"/>
+      </p:par>
+    </p:tnLst>
+  </p:timing>
 </p:sld>
 </file>
 
@@ -13958,15 +13980,7 @@
           <a:p>
             <a:r>
               <a:rPr lang="zh-TW" altLang="en-US" dirty="0" smtClean="0"/>
-              <a:t>集合～～集合～</a:t>
-            </a:r>
-            <a:r>
-              <a:rPr lang="zh-TW" altLang="en-US" dirty="0" smtClean="0"/>
-              <a:t>～開飯</a:t>
-            </a:r>
-            <a:r>
-              <a:rPr lang="zh-TW" altLang="en-US" dirty="0" smtClean="0"/>
-              <a:t>啦～～</a:t>
+              <a:t>集合～～集合～～開飯啦～～</a:t>
             </a:r>
             <a:endParaRPr lang="zh-TW" altLang="en-US" dirty="0"/>
           </a:p>
@@ -14069,6 +14083,13 @@
   <p:clrMapOvr>
     <a:masterClrMapping/>
   </p:clrMapOvr>
+  <p:timing>
+    <p:tnLst>
+      <p:par>
+        <p:cTn id="1" dur="indefinite" restart="never" nodeType="tmRoot"/>
+      </p:par>
+    </p:tnLst>
+  </p:timing>
 </p:sld>
 </file>
 
@@ -14678,6 +14699,13 @@
   <p:clrMapOvr>
     <a:masterClrMapping/>
   </p:clrMapOvr>
+  <p:timing>
+    <p:tnLst>
+      <p:par>
+        <p:cTn id="1" dur="indefinite" restart="never" nodeType="tmRoot"/>
+      </p:par>
+    </p:tnLst>
+  </p:timing>
 </p:sld>
 </file>
 
@@ -14729,8 +14757,8 @@
         </p:nvSpPr>
         <p:spPr>
           <a:xfrm>
-            <a:off x="1045464" y="2219974"/>
-            <a:ext cx="6096000" cy="2308324"/>
+            <a:off x="1045463" y="2219974"/>
+            <a:ext cx="6987709" cy="2031325"/>
           </a:xfrm>
           <a:prstGeom prst="rect">
             <a:avLst/>
@@ -14742,7 +14770,7 @@
           </a:solidFill>
         </p:spPr>
         <p:txBody>
-          <a:bodyPr>
+          <a:bodyPr wrap="square">
             <a:spAutoFit/>
           </a:bodyPr>
           <a:lstStyle/>
@@ -15329,7 +15357,7 @@
         </p:nvSpPr>
         <p:spPr>
           <a:xfrm>
-            <a:off x="1001730" y="3646360"/>
+            <a:off x="914400" y="3382200"/>
             <a:ext cx="4530390" cy="989648"/>
           </a:xfrm>
           <a:prstGeom prst="rect">
@@ -15473,6 +15501,13 @@
   <p:clrMapOvr>
     <a:masterClrMapping/>
   </p:clrMapOvr>
+  <p:timing>
+    <p:tnLst>
+      <p:par>
+        <p:cTn id="1" dur="indefinite" restart="never" nodeType="tmRoot"/>
+      </p:par>
+    </p:tnLst>
+  </p:timing>
 </p:sld>
 </file>
 
@@ -19163,7 +19198,11 @@
           <a:p>
             <a:r>
               <a:rPr lang="zh-TW" altLang="en-US" dirty="0" smtClean="0"/>
-              <a:t>個個集合類別的關係</a:t>
+              <a:t>各個</a:t>
+            </a:r>
+            <a:r>
+              <a:rPr lang="zh-TW" altLang="en-US" dirty="0" smtClean="0"/>
+              <a:t>集合類別的關係</a:t>
             </a:r>
             <a:endParaRPr lang="zh-TW" altLang="en-US" dirty="0"/>
           </a:p>
@@ -21220,11 +21259,7 @@
             </a:r>
             <a:r>
               <a:rPr lang="zh-TW" altLang="en-US" dirty="0" smtClean="0"/>
-              <a:t>所提供</a:t>
-            </a:r>
-            <a:r>
-              <a:rPr lang="zh-TW" altLang="en-US" dirty="0" smtClean="0"/>
-              <a:t>的標準方法</a:t>
+              <a:t>所提供的標準方法</a:t>
             </a:r>
             <a:r>
               <a:rPr lang="en-US" altLang="zh-TW" dirty="0" smtClean="0"/>
